--- a/contenido/ATI_Expo_HTML5.2014-1.pptx
+++ b/contenido/ATI_Expo_HTML5.2014-1.pptx
@@ -17433,9 +17433,10 @@
               <a:buNone/>
             </a:pPr>
             <a:r>
-              <a:rPr lang="en" sz="3000" b="1"/>
-              <a:t>AGENDA</a:t>
+              <a:rPr lang="en" sz="3000" b="1" dirty="0" smtClean="0"/>
+              <a:t>Agenda</a:t>
             </a:r>
+            <a:endParaRPr lang="en" sz="3000" b="1" dirty="0"/>
           </a:p>
         </p:txBody>
       </p:sp>
@@ -18192,8 +18193,8 @@
         </p:blipFill>
         <p:spPr>
           <a:xfrm>
-            <a:off x="1785800" y="420174"/>
-            <a:ext cx="4772074" cy="1815801"/>
+            <a:off x="6446439" y="277090"/>
+            <a:ext cx="2287435" cy="886691"/>
           </a:xfrm>
           <a:prstGeom prst="rect">
             <a:avLst/>
@@ -18208,8 +18209,8 @@
         </p:nvSpPr>
         <p:spPr>
           <a:xfrm>
-            <a:off x="675275" y="2431075"/>
-            <a:ext cx="8058599" cy="4216799"/>
+            <a:off x="675275" y="1468583"/>
+            <a:ext cx="8058599" cy="5179292"/>
           </a:xfrm>
           <a:prstGeom prst="rect">
             <a:avLst/>
@@ -18239,7 +18240,7 @@
               <a:buChar char="●"/>
             </a:pPr>
             <a:r>
-              <a:rPr lang="en" sz="2200" b="1"/>
+              <a:rPr lang="en" sz="2200" b="1" dirty="0"/>
               <a:t>World Wide Web Consortium (1994)</a:t>
             </a:r>
           </a:p>
@@ -18262,7 +18263,7 @@
               <a:buChar char="○"/>
             </a:pPr>
             <a:r>
-              <a:rPr lang="en" sz="2200" b="1"/>
+              <a:rPr lang="en" sz="2200" b="1" dirty="0"/>
               <a:t>Tim Berners-Lee (URL, HTTP y HTML)</a:t>
             </a:r>
           </a:p>
@@ -18279,7 +18280,7 @@
               </a:spcAft>
               <a:buNone/>
             </a:pPr>
-            <a:endParaRPr sz="2200" b="1"/>
+            <a:endParaRPr sz="2200" b="1" dirty="0"/>
           </a:p>
           <a:p>
             <a:pPr marL="457200" marR="0" lvl="0" indent="-368300" algn="l" rtl="0">
@@ -18300,7 +18301,7 @@
               <a:buChar char="●"/>
             </a:pPr>
             <a:r>
-              <a:rPr lang="en" sz="2200" b="1"/>
+              <a:rPr lang="en" sz="2200" b="1" dirty="0"/>
               <a:t>Proyecto HTML (1990-1995 y 1997)</a:t>
             </a:r>
           </a:p>
@@ -18317,7 +18318,7 @@
               </a:spcAft>
               <a:buNone/>
             </a:pPr>
-            <a:endParaRPr sz="2200" b="1"/>
+            <a:endParaRPr sz="2200" b="1" dirty="0"/>
           </a:p>
           <a:p>
             <a:pPr marL="457200" marR="0" lvl="0" indent="-368300" algn="l" rtl="0">
@@ -18338,7 +18339,7 @@
               <a:buChar char="●"/>
             </a:pPr>
             <a:r>
-              <a:rPr lang="en" sz="2200" b="1"/>
+              <a:rPr lang="en" sz="2200" b="1" dirty="0"/>
               <a:t>XML y DOM (1998 - 2004)</a:t>
             </a:r>
           </a:p>
@@ -18355,7 +18356,7 @@
               </a:spcAft>
               <a:buNone/>
             </a:pPr>
-            <a:endParaRPr sz="2200" b="1"/>
+            <a:endParaRPr sz="2200" b="1" dirty="0"/>
           </a:p>
           <a:p>
             <a:pPr marL="457200" marR="0" lvl="0" indent="-368300" algn="l" rtl="0">
@@ -18376,7 +18377,7 @@
               <a:buChar char="●"/>
             </a:pPr>
             <a:r>
-              <a:rPr lang="en" sz="2200" b="1"/>
+              <a:rPr lang="en" sz="2200" b="1" dirty="0"/>
               <a:t>Inicia HTML5 (2006 - 2007)</a:t>
             </a:r>
           </a:p>
@@ -18393,7 +18394,7 @@
               </a:spcAft>
               <a:buNone/>
             </a:pPr>
-            <a:endParaRPr sz="2200" b="1"/>
+            <a:endParaRPr sz="2200" b="1" dirty="0"/>
           </a:p>
           <a:p>
             <a:pPr marL="457200" marR="0" lvl="0" indent="-368300" algn="l" rtl="0">
@@ -18414,9 +18415,57 @@
               <a:buChar char="●"/>
             </a:pPr>
             <a:r>
-              <a:rPr lang="en" sz="2200" b="1"/>
-              <a:t>HTML y XHTML (text/html MIME y application/xhtml + xml MIME XML)</a:t>
+              <a:rPr lang="en" sz="2200" b="1" dirty="0"/>
+              <a:t>HTML y XHTML (text/html MIME y application/xhtml + xml MIME XML</a:t>
             </a:r>
+            <a:r>
+              <a:rPr lang="en" sz="2200" b="1" dirty="0" smtClean="0"/>
+              <a:t>)</a:t>
+            </a:r>
+          </a:p>
+          <a:p>
+            <a:pPr marL="457200" marR="0" lvl="0" indent="-368300" algn="l" rtl="0">
+              <a:lnSpc>
+                <a:spcPct val="100000"/>
+              </a:lnSpc>
+              <a:spcBef>
+                <a:spcPts val="0"/>
+              </a:spcBef>
+              <a:spcAft>
+                <a:spcPts val="0"/>
+              </a:spcAft>
+              <a:buClr>
+                <a:srgbClr val="000000"/>
+              </a:buClr>
+              <a:buSzPct val="100000"/>
+              <a:buFont typeface="Arial"/>
+              <a:buChar char="●"/>
+            </a:pPr>
+            <a:endParaRPr lang="en" sz="2200" b="1" dirty="0"/>
+          </a:p>
+          <a:p>
+            <a:pPr marL="457200" marR="0" lvl="0" indent="-368300" algn="l" rtl="0">
+              <a:lnSpc>
+                <a:spcPct val="100000"/>
+              </a:lnSpc>
+              <a:spcBef>
+                <a:spcPts val="0"/>
+              </a:spcBef>
+              <a:spcAft>
+                <a:spcPts val="0"/>
+              </a:spcAft>
+              <a:buClr>
+                <a:srgbClr val="000000"/>
+              </a:buClr>
+              <a:buSzPct val="100000"/>
+              <a:buFont typeface="Arial"/>
+              <a:buChar char="●"/>
+            </a:pPr>
+            <a:r>
+              <a:rPr lang="en" sz="2200" b="1" dirty="0" smtClean="0"/>
+              <a:t>Estándares globales mantenidos por consorcio W3C</a:t>
+            </a:r>
+            <a:endParaRPr lang="en" sz="2200" b="1" dirty="0"/>
           </a:p>
         </p:txBody>
       </p:sp>
@@ -18463,6 +18512,45 @@
               <a:t>UCV Aplicaciones con la Tecnología Internet 2014-1</a:t>
             </a:r>
             <a:endParaRPr lang="es-VE"/>
+          </a:p>
+        </p:txBody>
+      </p:sp>
+      <p:sp>
+        <p:nvSpPr>
+          <p:cNvPr id="6" name="Shape 93"/>
+          <p:cNvSpPr txBox="1">
+            <a:spLocks noGrp="1"/>
+          </p:cNvSpPr>
+          <p:nvPr>
+            <p:ph type="title"/>
+          </p:nvPr>
+        </p:nvSpPr>
+        <p:spPr>
+          <a:xfrm>
+            <a:off x="585250" y="399400"/>
+            <a:ext cx="7818300" cy="804000"/>
+          </a:xfrm>
+          <a:prstGeom prst="rect">
+            <a:avLst/>
+          </a:prstGeom>
+        </p:spPr>
+        <p:txBody>
+          <a:bodyPr lIns="91425" tIns="91425" rIns="91425" bIns="91425" anchor="ctr" anchorCtr="0">
+            <a:noAutofit/>
+          </a:bodyPr>
+          <a:lstStyle/>
+          <a:p>
+            <a:pPr algn="ctr">
+              <a:spcBef>
+                <a:spcPts val="0"/>
+              </a:spcBef>
+              <a:buNone/>
+            </a:pPr>
+            <a:r>
+              <a:rPr lang="en" sz="3000" b="1" dirty="0" smtClean="0"/>
+              <a:t>Consorcio W3C</a:t>
+            </a:r>
+            <a:endParaRPr lang="en" sz="3000" b="1" dirty="0"/>
           </a:p>
         </p:txBody>
       </p:sp>
@@ -21178,7 +21266,7 @@
   <a:extraClrSchemeLst/>
   <a:extLst>
     <a:ext uri="{05A4C25C-085E-4340-85A3-A5531E510DB2}">
-      <thm15:themeFamily xmlns="" xmlns:thm15="http://schemas.microsoft.com/office/thememl/2012/main" name="Office Theme" id="{62F939B6-93AF-4DB8-9C6B-D6C7DFDC589F}" vid="{4A3C46E8-61CC-4603-A589-7422A47A8E4A}"/>
+      <thm15:themeFamily xmlns:thm15="http://schemas.microsoft.com/office/thememl/2012/main" xmlns="" name="Office Theme" id="{62F939B6-93AF-4DB8-9C6B-D6C7DFDC589F}" vid="{4A3C46E8-61CC-4603-A589-7422A47A8E4A}"/>
     </a:ext>
   </a:extLst>
 </a:theme>

--- a/contenido/ATI_Expo_HTML5.2014-1.pptx
+++ b/contenido/ATI_Expo_HTML5.2014-1.pptx
@@ -17480,7 +17480,7 @@
               <a:buChar char="●"/>
             </a:pPr>
             <a:r>
-              <a:rPr lang="en" sz="1600" b="1">
+              <a:rPr lang="en" sz="1600" b="1" dirty="0">
                 <a:solidFill>
                   <a:schemeClr val="lt1"/>
                 </a:solidFill>
@@ -17504,7 +17504,7 @@
               <a:buChar char="●"/>
             </a:pPr>
             <a:r>
-              <a:rPr lang="en" sz="1600" b="1"/>
+              <a:rPr lang="en" sz="1600" b="1" dirty="0"/>
               <a:t>HTML5</a:t>
             </a:r>
           </a:p>
@@ -17522,7 +17522,7 @@
               <a:buNone/>
             </a:pPr>
             <a:r>
-              <a:rPr lang="en" sz="1600" b="1"/>
+              <a:rPr lang="en" sz="1600" b="1" dirty="0"/>
               <a:t>Novedades:</a:t>
             </a:r>
           </a:p>
@@ -17545,7 +17545,7 @@
               <a:buChar char="■"/>
             </a:pPr>
             <a:r>
-              <a:rPr lang="en" sz="1600"/>
+              <a:rPr lang="en" sz="1600" dirty="0"/>
               <a:t>Web semántica			</a:t>
             </a:r>
           </a:p>
@@ -17568,7 +17568,7 @@
               <a:buChar char="■"/>
             </a:pPr>
             <a:r>
-              <a:rPr lang="en" sz="1600"/>
+              <a:rPr lang="en" sz="1600" dirty="0"/>
               <a:t>&lt;input&gt;</a:t>
             </a:r>
           </a:p>
@@ -17591,7 +17591,7 @@
               <a:buChar char="■"/>
             </a:pPr>
             <a:r>
-              <a:rPr lang="en" sz="1600"/>
+              <a:rPr lang="en" sz="1600" dirty="0"/>
               <a:t>&lt;canvas&gt;</a:t>
             </a:r>
           </a:p>
@@ -17614,7 +17614,7 @@
               <a:buChar char="■"/>
             </a:pPr>
             <a:r>
-              <a:rPr lang="en" sz="1600"/>
+              <a:rPr lang="en" sz="1600" dirty="0"/>
               <a:t>SVG</a:t>
             </a:r>
           </a:p>
@@ -17637,7 +17637,7 @@
               <a:buChar char="■"/>
             </a:pPr>
             <a:r>
-              <a:rPr lang="en" sz="1600"/>
+              <a:rPr lang="en" sz="1600" dirty="0"/>
               <a:t>audio/video</a:t>
             </a:r>
           </a:p>
@@ -17660,7 +17660,7 @@
               <a:buChar char="■"/>
             </a:pPr>
             <a:r>
-              <a:rPr lang="en" sz="1600"/>
+              <a:rPr lang="en" sz="1600" dirty="0"/>
               <a:t>Geolocalización</a:t>
             </a:r>
           </a:p>
@@ -17683,7 +17683,7 @@
               <a:buChar char="■"/>
             </a:pPr>
             <a:r>
-              <a:rPr lang="en" sz="1600"/>
+              <a:rPr lang="en" sz="1600" dirty="0"/>
               <a:t>Almacenamiento web</a:t>
             </a:r>
           </a:p>
@@ -17706,7 +17706,7 @@
               <a:buChar char="■"/>
             </a:pPr>
             <a:r>
-              <a:rPr lang="en" sz="1600"/>
+              <a:rPr lang="en" sz="1600" dirty="0"/>
               <a:t>BD locales</a:t>
             </a:r>
           </a:p>
@@ -17729,7 +17729,7 @@
               <a:buChar char="■"/>
             </a:pPr>
             <a:r>
-              <a:rPr lang="en" sz="1600"/>
+              <a:rPr lang="en" sz="1600" dirty="0"/>
               <a:t>Novedades DOM</a:t>
             </a:r>
           </a:p>
@@ -17749,7 +17749,7 @@
               <a:buChar char="■"/>
             </a:pPr>
             <a:r>
-              <a:rPr lang="en" sz="1600"/>
+              <a:rPr lang="en" sz="1600" dirty="0"/>
               <a:t>APIs</a:t>
             </a:r>
           </a:p>
@@ -17763,7 +17763,7 @@
               </a:spcBef>
               <a:buNone/>
             </a:pPr>
-            <a:endParaRPr sz="1600"/>
+            <a:endParaRPr sz="1600" dirty="0"/>
           </a:p>
           <a:p>
             <a:pPr marL="457200" lvl="0" indent="-330200" algn="just" rtl="0">
@@ -17781,37 +17781,18 @@
               <a:buChar char="●"/>
             </a:pPr>
             <a:r>
-              <a:rPr lang="en" sz="1600" b="1">
+              <a:rPr lang="en" sz="1600" b="1" dirty="0" smtClean="0">
                 <a:solidFill>
                   <a:schemeClr val="lt1"/>
                 </a:solidFill>
               </a:rPr>
               <a:t>ACID3</a:t>
             </a:r>
-          </a:p>
-          <a:p>
-            <a:pPr marL="457200" lvl="0" indent="-330200" algn="just" rtl="0">
-              <a:lnSpc>
-                <a:spcPct val="115000"/>
-              </a:lnSpc>
-              <a:spcBef>
-                <a:spcPts val="0"/>
-              </a:spcBef>
-              <a:buClr>
-                <a:schemeClr val="accent1"/>
-              </a:buClr>
-              <a:buSzPct val="100000"/>
-              <a:buFont typeface="Arial"/>
-              <a:buChar char="●"/>
-            </a:pPr>
-            <a:r>
-              <a:rPr lang="en" sz="1600" b="1">
-                <a:solidFill>
-                  <a:schemeClr val="lt1"/>
-                </a:solidFill>
-              </a:rPr>
-              <a:t>CONCLUSIONES</a:t>
-            </a:r>
+            <a:endParaRPr lang="en" sz="1600" b="1" dirty="0">
+              <a:solidFill>
+                <a:schemeClr val="lt1"/>
+              </a:solidFill>
+            </a:endParaRPr>
           </a:p>
         </p:txBody>
       </p:sp>
@@ -21266,7 +21247,7 @@
   <a:extraClrSchemeLst/>
   <a:extLst>
     <a:ext uri="{05A4C25C-085E-4340-85A3-A5531E510DB2}">
-      <thm15:themeFamily xmlns:thm15="http://schemas.microsoft.com/office/thememl/2012/main" xmlns="" name="Office Theme" id="{62F939B6-93AF-4DB8-9C6B-D6C7DFDC589F}" vid="{4A3C46E8-61CC-4603-A589-7422A47A8E4A}"/>
+      <thm15:themeFamily xmlns="" xmlns:thm15="http://schemas.microsoft.com/office/thememl/2012/main" name="Office Theme" id="{62F939B6-93AF-4DB8-9C6B-D6C7DFDC589F}" vid="{4A3C46E8-61CC-4603-A589-7422A47A8E4A}"/>
     </a:ext>
   </a:extLst>
 </a:theme>
